--- a/Github講習会_叩き台.pptx
+++ b/Github講習会_叩き台.pptx
@@ -329,7 +329,7 @@
             <a:pPr algn="r">
               <a:buNone/>
             </a:pPr>
-            <a:fld id="{A77785F2-1A73-4CF2-A61E-ACF2ABA4C7BE}" type="slidenum">
+            <a:fld id="{87EBCC1F-39C4-408D-A5C9-4CD7E6E18F7A}" type="slidenum">
               <a:rPr b="0" lang="en-US" sz="1400" spc="-1" strike="noStrike">
                 <a:latin typeface="Times New Roman"/>
               </a:rPr>
@@ -466,7 +466,7 @@
               </a:lnSpc>
               <a:buNone/>
             </a:pPr>
-            <a:fld id="{C9A4DAF0-CF3D-4793-85F9-920E75439B97}" type="slidenum">
+            <a:fld id="{9CB7C65E-4530-4B8F-8B56-8FDA4CE64695}" type="slidenum">
               <a:rPr b="0" lang="en-US" sz="1200" spc="-1" strike="noStrike">
                 <a:latin typeface="Times New Roman"/>
               </a:rPr>
@@ -602,7 +602,7 @@
               </a:lnSpc>
               <a:buNone/>
             </a:pPr>
-            <a:fld id="{A9BA176F-D10D-44BC-AB49-E996EDA457A8}" type="slidenum">
+            <a:fld id="{220169E5-70B7-4854-9B07-5F0F1386E1A5}" type="slidenum">
               <a:rPr b="0" lang="en-US" sz="1200" spc="-1" strike="noStrike">
                 <a:latin typeface="Times New Roman"/>
               </a:rPr>
@@ -670,7 +670,7 @@
         <p:txBody>
           <a:bodyPr/>
           <a:p>
-            <a:fld id="{DFC87C0B-6740-4308-9E91-BC3BB3CF7132}" type="slidenum">
+            <a:fld id="{038F74D3-1F13-4EEB-AF56-7355851114A1}" type="slidenum">
               <a:t>&lt;#&gt;</a:t>
             </a:fld>
           </a:p>
@@ -858,7 +858,7 @@
         <p:txBody>
           <a:bodyPr/>
           <a:p>
-            <a:fld id="{6968E9F5-F7B3-4712-AAFB-C20DE382D472}" type="slidenum">
+            <a:fld id="{91E59410-F4D1-48D5-8D73-EA380E7B24D5}" type="slidenum">
               <a:t>&lt;#&gt;</a:t>
             </a:fld>
           </a:p>
@@ -1114,7 +1114,7 @@
         <p:txBody>
           <a:bodyPr/>
           <a:p>
-            <a:fld id="{E1142E4A-1C24-4CA4-A782-861A8DAB9C8F}" type="slidenum">
+            <a:fld id="{CC9E9E16-E4B6-4B24-8CB0-B8B8C98B2977}" type="slidenum">
               <a:t>&lt;#&gt;</a:t>
             </a:fld>
           </a:p>
@@ -1438,7 +1438,7 @@
         <p:txBody>
           <a:bodyPr/>
           <a:p>
-            <a:fld id="{DAC76D77-48C1-4997-8313-8AA71A397DD5}" type="slidenum">
+            <a:fld id="{64298B86-6BCB-4C0E-8A43-CC620D1D3267}" type="slidenum">
               <a:t>&lt;#&gt;</a:t>
             </a:fld>
           </a:p>
@@ -1521,7 +1521,7 @@
         <p:txBody>
           <a:bodyPr/>
           <a:p>
-            <a:fld id="{C76B373A-3B1F-4319-8E32-CE3C3AFCF97E}" type="slidenum">
+            <a:fld id="{2761638C-5A91-4D53-831B-722B930CEDA2}" type="slidenum">
               <a:t>&lt;#&gt;</a:t>
             </a:fld>
           </a:p>
@@ -1678,7 +1678,7 @@
         <p:txBody>
           <a:bodyPr/>
           <a:p>
-            <a:fld id="{A55D0812-536B-49C8-8BFD-22A2FC0C914E}" type="slidenum">
+            <a:fld id="{DCE00A50-F1A5-475F-8230-00D93CD6B0C3}" type="slidenum">
               <a:t>&lt;#&gt;</a:t>
             </a:fld>
           </a:p>
@@ -1832,7 +1832,7 @@
         <p:txBody>
           <a:bodyPr/>
           <a:p>
-            <a:fld id="{9FC248B4-9721-40F1-87D6-9C5123D27A4A}" type="slidenum">
+            <a:fld id="{649900AC-FE70-43F0-9BC6-650D7BCDB9A4}" type="slidenum">
               <a:t>&lt;#&gt;</a:t>
             </a:fld>
           </a:p>
@@ -2020,7 +2020,7 @@
         <p:txBody>
           <a:bodyPr/>
           <a:p>
-            <a:fld id="{65F9A318-FFB6-4105-8994-DB81CC749E2B}" type="slidenum">
+            <a:fld id="{97AB5A7E-B05D-4D6C-9BD5-11AB64710E0A}" type="slidenum">
               <a:t>&lt;#&gt;</a:t>
             </a:fld>
           </a:p>
@@ -2140,7 +2140,7 @@
         <p:txBody>
           <a:bodyPr/>
           <a:p>
-            <a:fld id="{B91999DC-5176-465F-9030-FD4021BAB401}" type="slidenum">
+            <a:fld id="{5B92A47B-46A5-4998-B566-4A699D9B7BDD}" type="slidenum">
               <a:t>&lt;#&gt;</a:t>
             </a:fld>
           </a:p>
@@ -2260,7 +2260,7 @@
         <p:txBody>
           <a:bodyPr/>
           <a:p>
-            <a:fld id="{86781B7F-2327-44D5-9C14-AE8BC2642354}" type="slidenum">
+            <a:fld id="{F5FE10F3-0E7A-48A1-BA87-B78D5DA7F67D}" type="slidenum">
               <a:t>&lt;#&gt;</a:t>
             </a:fld>
           </a:p>
@@ -2482,7 +2482,7 @@
         <p:txBody>
           <a:bodyPr/>
           <a:p>
-            <a:fld id="{E1527501-AF38-419D-8D64-85D0514DDAA9}" type="slidenum">
+            <a:fld id="{6CA46489-6689-461B-94C8-55780B5283EC}" type="slidenum">
               <a:t>&lt;#&gt;</a:t>
             </a:fld>
           </a:p>
@@ -2639,7 +2639,7 @@
         <p:txBody>
           <a:bodyPr/>
           <a:p>
-            <a:fld id="{D34981A8-F031-4CB7-B30A-02B3658A48CC}" type="slidenum">
+            <a:fld id="{AB0E4420-65F2-49BF-BD74-5205A27DF431}" type="slidenum">
               <a:t>&lt;#&gt;</a:t>
             </a:fld>
           </a:p>
@@ -2861,7 +2861,7 @@
         <p:txBody>
           <a:bodyPr/>
           <a:p>
-            <a:fld id="{096FE781-3EAF-4BCA-A3A0-4F559EF732C6}" type="slidenum">
+            <a:fld id="{D1A9817F-B86E-4E82-98DE-7F34C50BAF26}" type="slidenum">
               <a:t>&lt;#&gt;</a:t>
             </a:fld>
           </a:p>
@@ -3083,7 +3083,7 @@
         <p:txBody>
           <a:bodyPr/>
           <a:p>
-            <a:fld id="{E5AB1294-302F-4F3D-B6B4-1E02D2789C31}" type="slidenum">
+            <a:fld id="{A487A5C7-F92D-49B4-B4F0-272C311D5C6D}" type="slidenum">
               <a:t>&lt;#&gt;</a:t>
             </a:fld>
           </a:p>
@@ -3271,7 +3271,7 @@
         <p:txBody>
           <a:bodyPr/>
           <a:p>
-            <a:fld id="{C5F1287C-E3CE-49AB-A1CC-E0E3AE353A83}" type="slidenum">
+            <a:fld id="{C4B22FF6-4923-45E3-9A05-8E05EAF6D8DE}" type="slidenum">
               <a:t>&lt;#&gt;</a:t>
             </a:fld>
           </a:p>
@@ -3527,7 +3527,7 @@
         <p:txBody>
           <a:bodyPr/>
           <a:p>
-            <a:fld id="{7C13EE57-EC7F-4EE4-A49C-DD620F204716}" type="slidenum">
+            <a:fld id="{52007FD0-868E-4695-8543-D1F38A67F6B3}" type="slidenum">
               <a:t>&lt;#&gt;</a:t>
             </a:fld>
           </a:p>
@@ -3851,7 +3851,7 @@
         <p:txBody>
           <a:bodyPr/>
           <a:p>
-            <a:fld id="{49CA6774-3A8C-4AA6-AE9E-6680F6026757}" type="slidenum">
+            <a:fld id="{93FF7B6C-1498-4659-AAA7-340D76249C75}" type="slidenum">
               <a:t>&lt;#&gt;</a:t>
             </a:fld>
           </a:p>
@@ -3934,7 +3934,7 @@
         <p:txBody>
           <a:bodyPr/>
           <a:p>
-            <a:fld id="{463AFE65-73E2-4A6D-95B7-DE81EA96FB5D}" type="slidenum">
+            <a:fld id="{83B9669D-28D7-411D-8D7E-6986919359FA}" type="slidenum">
               <a:t>&lt;#&gt;</a:t>
             </a:fld>
           </a:p>
@@ -4091,7 +4091,7 @@
         <p:txBody>
           <a:bodyPr/>
           <a:p>
-            <a:fld id="{E7BE485F-2E32-4220-B312-AABEBF3D105A}" type="slidenum">
+            <a:fld id="{BDE079DD-0E03-4E1B-BA50-C0FA9E8A858A}" type="slidenum">
               <a:t>&lt;#&gt;</a:t>
             </a:fld>
           </a:p>
@@ -4245,7 +4245,7 @@
         <p:txBody>
           <a:bodyPr/>
           <a:p>
-            <a:fld id="{8D73E435-421F-4878-BDD8-5796792D62F2}" type="slidenum">
+            <a:fld id="{F606CB02-2257-40F0-85E2-342B66F39833}" type="slidenum">
               <a:t>&lt;#&gt;</a:t>
             </a:fld>
           </a:p>
@@ -4433,7 +4433,7 @@
         <p:txBody>
           <a:bodyPr/>
           <a:p>
-            <a:fld id="{6E354100-1006-4C88-B20D-AFE76BCDD6A7}" type="slidenum">
+            <a:fld id="{F3B902FB-F53D-4E04-A151-E4BA89C410FB}" type="slidenum">
               <a:t>&lt;#&gt;</a:t>
             </a:fld>
           </a:p>
@@ -4553,7 +4553,7 @@
         <p:txBody>
           <a:bodyPr/>
           <a:p>
-            <a:fld id="{C2CFA29D-B9A7-448B-B3F7-AF5270642144}" type="slidenum">
+            <a:fld id="{FDC60A04-E4A4-4285-83AB-0640F0D459AE}" type="slidenum">
               <a:t>&lt;#&gt;</a:t>
             </a:fld>
           </a:p>
@@ -4707,7 +4707,7 @@
         <p:txBody>
           <a:bodyPr/>
           <a:p>
-            <a:fld id="{E96EAEED-5A19-4DF0-AC9E-A5331857C6E3}" type="slidenum">
+            <a:fld id="{77BC033D-BD34-4882-9960-661BBF3951AD}" type="slidenum">
               <a:t>&lt;#&gt;</a:t>
             </a:fld>
           </a:p>
@@ -4827,7 +4827,7 @@
         <p:txBody>
           <a:bodyPr/>
           <a:p>
-            <a:fld id="{E7AEC9F0-FC34-4B6D-BFE9-FA70BC903A5A}" type="slidenum">
+            <a:fld id="{9F7E22D3-E758-4545-A96E-9623A8B03D0C}" type="slidenum">
               <a:t>&lt;#&gt;</a:t>
             </a:fld>
           </a:p>
@@ -5049,7 +5049,7 @@
         <p:txBody>
           <a:bodyPr/>
           <a:p>
-            <a:fld id="{78589694-4C17-4B3C-B4DE-247365528A3C}" type="slidenum">
+            <a:fld id="{9860052F-9F67-4E23-A60E-405E614BA49B}" type="slidenum">
               <a:t>&lt;#&gt;</a:t>
             </a:fld>
           </a:p>
@@ -5271,7 +5271,7 @@
         <p:txBody>
           <a:bodyPr/>
           <a:p>
-            <a:fld id="{66CA4881-3778-4298-BF0E-DB1B0EDE81BE}" type="slidenum">
+            <a:fld id="{BC49DD30-B8C6-4C7B-9E55-7B5BC42B7591}" type="slidenum">
               <a:t>&lt;#&gt;</a:t>
             </a:fld>
           </a:p>
@@ -5493,7 +5493,7 @@
         <p:txBody>
           <a:bodyPr/>
           <a:p>
-            <a:fld id="{806D249B-E040-4804-91D4-93FC43EE328E}" type="slidenum">
+            <a:fld id="{3AB7D294-93ED-486C-82A9-B538EB8635A9}" type="slidenum">
               <a:t>&lt;#&gt;</a:t>
             </a:fld>
           </a:p>
@@ -5681,7 +5681,7 @@
         <p:txBody>
           <a:bodyPr/>
           <a:p>
-            <a:fld id="{7B5BB8FB-E463-49C1-AF00-68E73EF67258}" type="slidenum">
+            <a:fld id="{AA55274B-70EB-4D56-AE54-55BECCC2C01F}" type="slidenum">
               <a:t>&lt;#&gt;</a:t>
             </a:fld>
           </a:p>
@@ -5937,7 +5937,7 @@
         <p:txBody>
           <a:bodyPr/>
           <a:p>
-            <a:fld id="{98F5F766-6F98-4F17-A1EE-A431D2751E00}" type="slidenum">
+            <a:fld id="{B8533257-189F-4181-8715-A36ACF7489ED}" type="slidenum">
               <a:t>&lt;#&gt;</a:t>
             </a:fld>
           </a:p>
@@ -6261,7 +6261,7 @@
         <p:txBody>
           <a:bodyPr/>
           <a:p>
-            <a:fld id="{DC9562F8-E038-4992-B1B4-FFD1A91BEFFA}" type="slidenum">
+            <a:fld id="{171B2DEF-7E39-4442-B4DA-417FD558569E}" type="slidenum">
               <a:t>&lt;#&gt;</a:t>
             </a:fld>
           </a:p>
@@ -6344,7 +6344,7 @@
         <p:txBody>
           <a:bodyPr/>
           <a:p>
-            <a:fld id="{C3106E5E-4111-4B0B-A1BD-6606F9EE45B6}" type="slidenum">
+            <a:fld id="{0EC08539-8293-4F35-963D-1D512EE272D0}" type="slidenum">
               <a:t>&lt;#&gt;</a:t>
             </a:fld>
           </a:p>
@@ -6501,7 +6501,7 @@
         <p:txBody>
           <a:bodyPr/>
           <a:p>
-            <a:fld id="{491B23FF-CCF2-4FAD-B809-D511C4D949EA}" type="slidenum">
+            <a:fld id="{AFC90A5D-A281-442B-8199-9083164A66ED}" type="slidenum">
               <a:t>&lt;#&gt;</a:t>
             </a:fld>
           </a:p>
@@ -6655,7 +6655,7 @@
         <p:txBody>
           <a:bodyPr/>
           <a:p>
-            <a:fld id="{5F24CBBC-DEAA-4B21-A00A-89D0AB90E9D2}" type="slidenum">
+            <a:fld id="{4FBD37F9-8641-46E0-ADEB-B7A295E926C3}" type="slidenum">
               <a:t>&lt;#&gt;</a:t>
             </a:fld>
           </a:p>
@@ -6843,7 +6843,7 @@
         <p:txBody>
           <a:bodyPr/>
           <a:p>
-            <a:fld id="{9D47E167-F049-47F5-AB1C-97EEB01E8128}" type="slidenum">
+            <a:fld id="{2AF85ADA-0B30-4AF5-8408-CFAE1A3EA25A}" type="slidenum">
               <a:t>&lt;#&gt;</a:t>
             </a:fld>
           </a:p>
@@ -7031,7 +7031,7 @@
         <p:txBody>
           <a:bodyPr/>
           <a:p>
-            <a:fld id="{9CFE1D55-99FF-4F84-BC50-490FF7A5F746}" type="slidenum">
+            <a:fld id="{947503F7-12CE-4F8F-972C-5E35688D3325}" type="slidenum">
               <a:t>&lt;#&gt;</a:t>
             </a:fld>
           </a:p>
@@ -7151,7 +7151,7 @@
         <p:txBody>
           <a:bodyPr/>
           <a:p>
-            <a:fld id="{46DB1F1E-991B-4427-A43C-4CEE54663C5A}" type="slidenum">
+            <a:fld id="{A806A022-BB0D-44B8-B25A-17CE38D59821}" type="slidenum">
               <a:t>&lt;#&gt;</a:t>
             </a:fld>
           </a:p>
@@ -7271,7 +7271,7 @@
         <p:txBody>
           <a:bodyPr/>
           <a:p>
-            <a:fld id="{A4410E5B-32B9-43E6-B54C-305CD6B8174D}" type="slidenum">
+            <a:fld id="{7B303CD2-F591-4640-ABA0-064203F75B43}" type="slidenum">
               <a:t>&lt;#&gt;</a:t>
             </a:fld>
           </a:p>
@@ -7493,7 +7493,7 @@
         <p:txBody>
           <a:bodyPr/>
           <a:p>
-            <a:fld id="{ACCD6D47-4058-4968-8B10-49458852D38F}" type="slidenum">
+            <a:fld id="{31E71CA3-C263-407E-9A78-B76066256ABF}" type="slidenum">
               <a:t>&lt;#&gt;</a:t>
             </a:fld>
           </a:p>
@@ -7715,7 +7715,7 @@
         <p:txBody>
           <a:bodyPr/>
           <a:p>
-            <a:fld id="{BC6579CD-127F-4265-8EFE-1A980C1F1AAE}" type="slidenum">
+            <a:fld id="{8A0728EB-1E8D-4C79-B91D-954CB01508E8}" type="slidenum">
               <a:t>&lt;#&gt;</a:t>
             </a:fld>
           </a:p>
@@ -7937,7 +7937,7 @@
         <p:txBody>
           <a:bodyPr/>
           <a:p>
-            <a:fld id="{4B9FA948-3B95-4B6E-87C4-DC4E782DF2B5}" type="slidenum">
+            <a:fld id="{86FB5D17-AE11-49EB-B01B-97BC63597AEC}" type="slidenum">
               <a:t>&lt;#&gt;</a:t>
             </a:fld>
           </a:p>
@@ -8125,7 +8125,7 @@
         <p:txBody>
           <a:bodyPr/>
           <a:p>
-            <a:fld id="{A02BED8B-FA52-4477-A420-33077E652B49}" type="slidenum">
+            <a:fld id="{050261C6-F21F-4C9F-8B3E-8780F41B013E}" type="slidenum">
               <a:t>&lt;#&gt;</a:t>
             </a:fld>
           </a:p>
@@ -8381,7 +8381,7 @@
         <p:txBody>
           <a:bodyPr/>
           <a:p>
-            <a:fld id="{81072A6A-2493-439D-8EA5-92DA2CC2A5A0}" type="slidenum">
+            <a:fld id="{B43A4856-F469-4911-B9B8-B65D0634EAF6}" type="slidenum">
               <a:t>&lt;#&gt;</a:t>
             </a:fld>
           </a:p>
@@ -8705,7 +8705,7 @@
         <p:txBody>
           <a:bodyPr/>
           <a:p>
-            <a:fld id="{7460EB0E-CAC8-431A-9C8B-F267F68E962A}" type="slidenum">
+            <a:fld id="{93B22CE1-8A73-4A4C-8C29-7CE83D9C766C}" type="slidenum">
               <a:t>&lt;#&gt;</a:t>
             </a:fld>
           </a:p>
@@ -8825,7 +8825,7 @@
         <p:txBody>
           <a:bodyPr/>
           <a:p>
-            <a:fld id="{48486F4C-F054-44E7-B6C8-668672F590CB}" type="slidenum">
+            <a:fld id="{EF09FA5A-293A-4220-A62A-44F7DD603D0E}" type="slidenum">
               <a:t>&lt;#&gt;</a:t>
             </a:fld>
           </a:p>
@@ -8945,7 +8945,7 @@
         <p:txBody>
           <a:bodyPr/>
           <a:p>
-            <a:fld id="{48891958-D53D-4C0B-A1AA-52B6B5825F7C}" type="slidenum">
+            <a:fld id="{46F8D898-A3A9-4315-A255-9FA6F63F5441}" type="slidenum">
               <a:t>&lt;#&gt;</a:t>
             </a:fld>
           </a:p>
@@ -9167,7 +9167,7 @@
         <p:txBody>
           <a:bodyPr/>
           <a:p>
-            <a:fld id="{8D3A596E-A0DB-4C36-B1CA-64AA34B64BE2}" type="slidenum">
+            <a:fld id="{D7C591E3-ED03-4B57-8202-B7C15E238EC1}" type="slidenum">
               <a:t>&lt;#&gt;</a:t>
             </a:fld>
           </a:p>
@@ -9389,7 +9389,7 @@
         <p:txBody>
           <a:bodyPr/>
           <a:p>
-            <a:fld id="{D26EA3B9-39A4-4111-86B1-FCC6FCB87652}" type="slidenum">
+            <a:fld id="{3CCA7C79-5A6A-4C28-9720-1A5DE3F25813}" type="slidenum">
               <a:t>&lt;#&gt;</a:t>
             </a:fld>
           </a:p>
@@ -9611,7 +9611,7 @@
         <p:txBody>
           <a:bodyPr/>
           <a:p>
-            <a:fld id="{2FE2C28D-6EF5-463C-90D0-55134C884A13}" type="slidenum">
+            <a:fld id="{9E00FE76-CB19-4C4E-953A-6D5F673E86D6}" type="slidenum">
               <a:t>&lt;#&gt;</a:t>
             </a:fld>
           </a:p>
@@ -9750,13 +9750,13 @@
               <a:rPr b="0" lang="en-US" sz="4400" spc="-1" strike="noStrike">
                 <a:latin typeface="Meiryo"/>
               </a:rPr>
-              <a:t>Click to edit the title text </a:t>
+              <a:t>Click to edit the title </a:t>
             </a:r>
             <a:r>
               <a:rPr b="0" lang="en-US" sz="4400" spc="-1" strike="noStrike">
                 <a:latin typeface="Meiryo"/>
               </a:rPr>
-              <a:t>format</a:t>
+              <a:t>text format</a:t>
             </a:r>
             <a:endParaRPr b="0" lang="en-US" sz="4400" spc="-1" strike="noStrike">
               <a:latin typeface="Meiryo"/>
@@ -9807,7 +9807,7 @@
               <a:rPr b="0" lang="en-US" sz="1400" spc="-1" strike="noStrike">
                 <a:latin typeface="Times New Roman"/>
               </a:rPr>
-              <a:t> </a:t>
+              <a:t>&lt;footer&gt;</a:t>
             </a:r>
             <a:endParaRPr b="0" lang="en-US" sz="1400" spc="-1" strike="noStrike">
               <a:latin typeface="Times New Roman"/>
@@ -9872,7 +9872,7 @@
                 <a:latin typeface="Meiryo"/>
                 <a:ea typeface="Meiryo"/>
               </a:rPr>
-              <a:t> </a:t>
+              <a:t>&lt;date/time&gt;</a:t>
             </a:r>
             <a:endParaRPr b="0" lang="en-US" sz="1400" spc="-1" strike="noStrike">
               <a:latin typeface="Times New Roman"/>
@@ -9929,7 +9929,7 @@
               </a:lnSpc>
               <a:buNone/>
             </a:pPr>
-            <a:fld id="{13347376-87D8-4DAF-9992-54D218EA990D}" type="slidenum">
+            <a:fld id="{17F4A695-D00F-4A44-ADBB-693B869EA43A}" type="slidenum">
               <a:rPr b="0" lang="en-US" sz="1400" spc="-1" strike="noStrike">
                 <a:solidFill>
                   <a:srgbClr val="b2b2b2"/>
@@ -9937,7 +9937,7 @@
                 <a:latin typeface="Meiryo"/>
                 <a:ea typeface="Meiryo"/>
               </a:rPr>
-              <a:t>23</a:t>
+              <a:t>&lt;number&gt;</a:t>
             </a:fld>
             <a:endParaRPr b="0" lang="en-US" sz="1400" spc="-1" strike="noStrike">
               <a:latin typeface="Times New Roman"/>
@@ -10120,7 +10120,13 @@
               <a:rPr b="0" lang="en-US" sz="2000" spc="-1" strike="noStrike">
                 <a:latin typeface="Calibri"/>
               </a:rPr>
-              <a:t>Seventh Outline Level</a:t>
+              <a:t>Seventh Outline </a:t>
+            </a:r>
+            <a:r>
+              <a:rPr b="0" lang="en-US" sz="2000" spc="-1" strike="noStrike">
+                <a:latin typeface="Calibri"/>
+              </a:rPr>
+              <a:t>Level</a:t>
             </a:r>
             <a:endParaRPr b="0" lang="en-US" sz="2000" spc="-1" strike="noStrike">
               <a:latin typeface="Calibri"/>
@@ -10255,19 +10261,7 @@
               <a:rPr b="0" lang="en-US" sz="4400" spc="-1" strike="noStrike">
                 <a:latin typeface="Meiryo"/>
               </a:rPr>
-              <a:t>Click to edit </a:t>
-            </a:r>
-            <a:r>
-              <a:rPr b="0" lang="en-US" sz="4400" spc="-1" strike="noStrike">
-                <a:latin typeface="Meiryo"/>
-              </a:rPr>
-              <a:t>the title </a:t>
-            </a:r>
-            <a:r>
-              <a:rPr b="0" lang="en-US" sz="4400" spc="-1" strike="noStrike">
-                <a:latin typeface="Meiryo"/>
-              </a:rPr>
-              <a:t>text format</a:t>
+              <a:t>Click to edit the title text format</a:t>
             </a:r>
             <a:endParaRPr b="0" lang="en-US" sz="4400" spc="-1" strike="noStrike">
               <a:latin typeface="Meiryo"/>
@@ -10623,7 +10617,7 @@
               </a:lnSpc>
               <a:buNone/>
             </a:pPr>
-            <a:fld id="{1595124A-973A-485A-BC6E-C114B3DF985A}" type="slidenum">
+            <a:fld id="{0943C9F4-5D97-4E9E-91F5-714B72654995}" type="slidenum">
               <a:rPr b="0" lang="en-US" sz="1400" spc="-1" strike="noStrike">
                 <a:solidFill>
                   <a:srgbClr val="b2b2b2"/>
@@ -10766,7 +10760,13 @@
               <a:rPr b="0" lang="en-US" sz="4400" spc="-1" strike="noStrike">
                 <a:latin typeface="Meiryo"/>
               </a:rPr>
-              <a:t>Click to edit the title text format</a:t>
+              <a:t>Click to edit the title text </a:t>
+            </a:r>
+            <a:r>
+              <a:rPr b="0" lang="en-US" sz="4400" spc="-1" strike="noStrike">
+                <a:latin typeface="Meiryo"/>
+              </a:rPr>
+              <a:t>format</a:t>
             </a:r>
             <a:endParaRPr b="0" lang="en-US" sz="4400" spc="-1" strike="noStrike">
               <a:latin typeface="Meiryo"/>
@@ -10939,7 +10939,7 @@
               </a:lnSpc>
               <a:buNone/>
             </a:pPr>
-            <a:fld id="{75E1E81B-B78C-482E-8FE1-8D73FE19647E}" type="slidenum">
+            <a:fld id="{6AFFF3E7-1C21-45AD-B64D-2C22D7C3760B}" type="slidenum">
               <a:rPr b="0" lang="en-US" sz="1400" spc="-1" strike="noStrike">
                 <a:solidFill>
                   <a:srgbClr val="b2b2b2"/>
@@ -11398,7 +11398,7 @@
               </a:lnSpc>
               <a:buNone/>
             </a:pPr>
-            <a:fld id="{126847C2-F91B-4B1A-B6BE-099A0FE0AAE1}" type="slidenum">
+            <a:fld id="{C23BB20A-4536-4BBF-A4D1-4CC22224F5F1}" type="slidenum">
               <a:rPr b="0" lang="en-US" sz="1400" spc="-1" strike="noStrike">
                 <a:solidFill>
                   <a:srgbClr val="b2b2b2"/>
